--- a/diagram.pptx
+++ b/diagram.pptx
@@ -104,6 +104,11 @@
       </a:defRPr>
     </a:lvl9pPr>
   </p:defaultTextStyle>
+  <p:extLst>
+    <p:ext uri="{EFAFB233-063F-42B5-8137-9DF3F51BA10A}">
+      <p15:sldGuideLst xmlns:p15="http://schemas.microsoft.com/office/powerpoint/2012/main"/>
+    </p:ext>
+  </p:extLst>
 </p:presentation>
 </file>
 
@@ -238,7 +243,7 @@
           <a:p>
             <a:fld id="{49B6E7E7-D8DC-4244-846D-9A0120593621}" type="datetimeFigureOut">
               <a:rPr lang="ko-KR" altLang="en-US" smtClean="0"/>
-              <a:t>2020-04-22</a:t>
+              <a:t>2020-04-23</a:t>
             </a:fld>
             <a:endParaRPr lang="ko-KR" altLang="en-US"/>
           </a:p>
@@ -408,7 +413,7 @@
           <a:p>
             <a:fld id="{49B6E7E7-D8DC-4244-846D-9A0120593621}" type="datetimeFigureOut">
               <a:rPr lang="ko-KR" altLang="en-US" smtClean="0"/>
-              <a:t>2020-04-22</a:t>
+              <a:t>2020-04-23</a:t>
             </a:fld>
             <a:endParaRPr lang="ko-KR" altLang="en-US"/>
           </a:p>
@@ -588,7 +593,7 @@
           <a:p>
             <a:fld id="{49B6E7E7-D8DC-4244-846D-9A0120593621}" type="datetimeFigureOut">
               <a:rPr lang="ko-KR" altLang="en-US" smtClean="0"/>
-              <a:t>2020-04-22</a:t>
+              <a:t>2020-04-23</a:t>
             </a:fld>
             <a:endParaRPr lang="ko-KR" altLang="en-US"/>
           </a:p>
@@ -758,7 +763,7 @@
           <a:p>
             <a:fld id="{49B6E7E7-D8DC-4244-846D-9A0120593621}" type="datetimeFigureOut">
               <a:rPr lang="ko-KR" altLang="en-US" smtClean="0"/>
-              <a:t>2020-04-22</a:t>
+              <a:t>2020-04-23</a:t>
             </a:fld>
             <a:endParaRPr lang="ko-KR" altLang="en-US"/>
           </a:p>
@@ -1004,7 +1009,7 @@
           <a:p>
             <a:fld id="{49B6E7E7-D8DC-4244-846D-9A0120593621}" type="datetimeFigureOut">
               <a:rPr lang="ko-KR" altLang="en-US" smtClean="0"/>
-              <a:t>2020-04-22</a:t>
+              <a:t>2020-04-23</a:t>
             </a:fld>
             <a:endParaRPr lang="ko-KR" altLang="en-US"/>
           </a:p>
@@ -1236,7 +1241,7 @@
           <a:p>
             <a:fld id="{49B6E7E7-D8DC-4244-846D-9A0120593621}" type="datetimeFigureOut">
               <a:rPr lang="ko-KR" altLang="en-US" smtClean="0"/>
-              <a:t>2020-04-22</a:t>
+              <a:t>2020-04-23</a:t>
             </a:fld>
             <a:endParaRPr lang="ko-KR" altLang="en-US"/>
           </a:p>
@@ -1603,7 +1608,7 @@
           <a:p>
             <a:fld id="{49B6E7E7-D8DC-4244-846D-9A0120593621}" type="datetimeFigureOut">
               <a:rPr lang="ko-KR" altLang="en-US" smtClean="0"/>
-              <a:t>2020-04-22</a:t>
+              <a:t>2020-04-23</a:t>
             </a:fld>
             <a:endParaRPr lang="ko-KR" altLang="en-US"/>
           </a:p>
@@ -1721,7 +1726,7 @@
           <a:p>
             <a:fld id="{49B6E7E7-D8DC-4244-846D-9A0120593621}" type="datetimeFigureOut">
               <a:rPr lang="ko-KR" altLang="en-US" smtClean="0"/>
-              <a:t>2020-04-22</a:t>
+              <a:t>2020-04-23</a:t>
             </a:fld>
             <a:endParaRPr lang="ko-KR" altLang="en-US"/>
           </a:p>
@@ -1816,7 +1821,7 @@
           <a:p>
             <a:fld id="{49B6E7E7-D8DC-4244-846D-9A0120593621}" type="datetimeFigureOut">
               <a:rPr lang="ko-KR" altLang="en-US" smtClean="0"/>
-              <a:t>2020-04-22</a:t>
+              <a:t>2020-04-23</a:t>
             </a:fld>
             <a:endParaRPr lang="ko-KR" altLang="en-US"/>
           </a:p>
@@ -2093,7 +2098,7 @@
           <a:p>
             <a:fld id="{49B6E7E7-D8DC-4244-846D-9A0120593621}" type="datetimeFigureOut">
               <a:rPr lang="ko-KR" altLang="en-US" smtClean="0"/>
-              <a:t>2020-04-22</a:t>
+              <a:t>2020-04-23</a:t>
             </a:fld>
             <a:endParaRPr lang="ko-KR" altLang="en-US"/>
           </a:p>
@@ -2346,7 +2351,7 @@
           <a:p>
             <a:fld id="{49B6E7E7-D8DC-4244-846D-9A0120593621}" type="datetimeFigureOut">
               <a:rPr lang="ko-KR" altLang="en-US" smtClean="0"/>
-              <a:t>2020-04-22</a:t>
+              <a:t>2020-04-23</a:t>
             </a:fld>
             <a:endParaRPr lang="ko-KR" altLang="en-US"/>
           </a:p>
@@ -2559,7 +2564,7 @@
           <a:p>
             <a:fld id="{49B6E7E7-D8DC-4244-846D-9A0120593621}" type="datetimeFigureOut">
               <a:rPr lang="ko-KR" altLang="en-US" smtClean="0"/>
-              <a:t>2020-04-22</a:t>
+              <a:t>2020-04-23</a:t>
             </a:fld>
             <a:endParaRPr lang="ko-KR" altLang="en-US"/>
           </a:p>
@@ -4867,10 +4872,26 @@
           <a:p>
             <a:pPr algn="ctr"/>
             <a:r>
-              <a:rPr lang="ko-KR" altLang="en-US" sz="1200" dirty="0" smtClean="0"/>
-              <a:t>모든 이벤트</a:t>
-            </a:r>
-            <a:endParaRPr lang="ko-KR" altLang="en-US" sz="1200" dirty="0"/>
+              <a:rPr lang="en-US" altLang="ko-KR" sz="900" dirty="0" smtClean="0"/>
+              <a:t>(</a:t>
+            </a:r>
+            <a:r>
+              <a:rPr lang="ko-KR" altLang="en-US" sz="900" dirty="0" smtClean="0"/>
+              <a:t>거의</a:t>
+            </a:r>
+            <a:r>
+              <a:rPr lang="en-US" altLang="ko-KR" sz="900" dirty="0" smtClean="0"/>
+              <a:t>)</a:t>
+            </a:r>
+            <a:r>
+              <a:rPr lang="ko-KR" altLang="en-US" sz="900" dirty="0" smtClean="0"/>
+              <a:t>모든 </a:t>
+            </a:r>
+            <a:r>
+              <a:rPr lang="ko-KR" altLang="en-US" sz="900" dirty="0" smtClean="0"/>
+              <a:t>이벤트</a:t>
+            </a:r>
+            <a:endParaRPr lang="ko-KR" altLang="en-US" sz="900" dirty="0"/>
           </a:p>
         </p:txBody>
       </p:sp>
@@ -5134,6 +5155,456 @@
               <a:t>POST /keepers</a:t>
             </a:r>
             <a:endParaRPr lang="ko-KR" altLang="en-US" sz="700" dirty="0"/>
+          </a:p>
+        </p:txBody>
+      </p:sp>
+      <p:sp>
+        <p:nvSpPr>
+          <p:cNvPr id="54" name="직사각형 53"/>
+          <p:cNvSpPr/>
+          <p:nvPr/>
+        </p:nvSpPr>
+        <p:spPr>
+          <a:xfrm>
+            <a:off x="642839" y="1912833"/>
+            <a:ext cx="592999" cy="831052"/>
+          </a:xfrm>
+          <a:prstGeom prst="rect">
+            <a:avLst/>
+          </a:prstGeom>
+          <a:solidFill>
+            <a:srgbClr val="FFFF00"/>
+          </a:solidFill>
+          <a:ln>
+            <a:solidFill>
+              <a:schemeClr val="tx1"/>
+            </a:solidFill>
+          </a:ln>
+        </p:spPr>
+        <p:style>
+          <a:lnRef idx="2">
+            <a:schemeClr val="accent1">
+              <a:shade val="50000"/>
+            </a:schemeClr>
+          </a:lnRef>
+          <a:fillRef idx="1">
+            <a:schemeClr val="accent1"/>
+          </a:fillRef>
+          <a:effectRef idx="0">
+            <a:schemeClr val="accent1"/>
+          </a:effectRef>
+          <a:fontRef idx="minor">
+            <a:schemeClr val="lt1"/>
+          </a:fontRef>
+        </p:style>
+        <p:txBody>
+          <a:bodyPr rtlCol="0" anchor="ctr"/>
+          <a:lstStyle/>
+          <a:p>
+            <a:pPr algn="ctr"/>
+            <a:endParaRPr lang="en-US" altLang="ko-KR" sz="1050" b="1" dirty="0" smtClean="0">
+              <a:solidFill>
+                <a:schemeClr val="tx1"/>
+              </a:solidFill>
+            </a:endParaRPr>
+          </a:p>
+          <a:p>
+            <a:pPr algn="ctr"/>
+            <a:r>
+              <a:rPr lang="ko-KR" altLang="en-US" sz="1050" b="1" dirty="0" smtClean="0">
+                <a:solidFill>
+                  <a:schemeClr val="tx1"/>
+                </a:solidFill>
+              </a:rPr>
+              <a:t>매표소 직원</a:t>
+            </a:r>
+            <a:endParaRPr lang="ko-KR" altLang="en-US" sz="1050" b="1" dirty="0">
+              <a:solidFill>
+                <a:schemeClr val="tx1"/>
+              </a:solidFill>
+            </a:endParaRPr>
+          </a:p>
+        </p:txBody>
+      </p:sp>
+      <p:sp>
+        <p:nvSpPr>
+          <p:cNvPr id="3" name="웃는 얼굴 2"/>
+          <p:cNvSpPr/>
+          <p:nvPr/>
+        </p:nvSpPr>
+        <p:spPr>
+          <a:xfrm>
+            <a:off x="669428" y="1956573"/>
+            <a:ext cx="191024" cy="193350"/>
+          </a:xfrm>
+          <a:prstGeom prst="smileyFace">
+            <a:avLst/>
+          </a:prstGeom>
+        </p:spPr>
+        <p:style>
+          <a:lnRef idx="2">
+            <a:schemeClr val="accent1">
+              <a:shade val="50000"/>
+            </a:schemeClr>
+          </a:lnRef>
+          <a:fillRef idx="1">
+            <a:schemeClr val="accent1"/>
+          </a:fillRef>
+          <a:effectRef idx="0">
+            <a:schemeClr val="accent1"/>
+          </a:effectRef>
+          <a:fontRef idx="minor">
+            <a:schemeClr val="lt1"/>
+          </a:fontRef>
+        </p:style>
+        <p:txBody>
+          <a:bodyPr rtlCol="0" anchor="ctr"/>
+          <a:lstStyle/>
+          <a:p>
+            <a:pPr algn="ctr"/>
+            <a:endParaRPr lang="ko-KR" altLang="en-US"/>
+          </a:p>
+        </p:txBody>
+      </p:sp>
+      <p:sp>
+        <p:nvSpPr>
+          <p:cNvPr id="55" name="직사각형 54"/>
+          <p:cNvSpPr/>
+          <p:nvPr/>
+        </p:nvSpPr>
+        <p:spPr>
+          <a:xfrm>
+            <a:off x="4554683" y="1872730"/>
+            <a:ext cx="592999" cy="831052"/>
+          </a:xfrm>
+          <a:prstGeom prst="rect">
+            <a:avLst/>
+          </a:prstGeom>
+          <a:solidFill>
+            <a:srgbClr val="FFFF00"/>
+          </a:solidFill>
+          <a:ln>
+            <a:solidFill>
+              <a:schemeClr val="tx1"/>
+            </a:solidFill>
+          </a:ln>
+        </p:spPr>
+        <p:style>
+          <a:lnRef idx="2">
+            <a:schemeClr val="accent1">
+              <a:shade val="50000"/>
+            </a:schemeClr>
+          </a:lnRef>
+          <a:fillRef idx="1">
+            <a:schemeClr val="accent1"/>
+          </a:fillRef>
+          <a:effectRef idx="0">
+            <a:schemeClr val="accent1"/>
+          </a:effectRef>
+          <a:fontRef idx="minor">
+            <a:schemeClr val="lt1"/>
+          </a:fontRef>
+        </p:style>
+        <p:txBody>
+          <a:bodyPr rtlCol="0" anchor="ctr"/>
+          <a:lstStyle/>
+          <a:p>
+            <a:pPr algn="ctr"/>
+            <a:endParaRPr lang="en-US" altLang="ko-KR" sz="1050" b="1" dirty="0" smtClean="0">
+              <a:solidFill>
+                <a:schemeClr val="tx1"/>
+              </a:solidFill>
+            </a:endParaRPr>
+          </a:p>
+          <a:p>
+            <a:pPr algn="ctr"/>
+            <a:r>
+              <a:rPr lang="ko-KR" altLang="en-US" sz="1050" b="1" dirty="0" smtClean="0">
+                <a:solidFill>
+                  <a:schemeClr val="tx1"/>
+                </a:solidFill>
+              </a:rPr>
+              <a:t>실제 설치된 게이트</a:t>
+            </a:r>
+            <a:endParaRPr lang="ko-KR" altLang="en-US" sz="1050" b="1" dirty="0">
+              <a:solidFill>
+                <a:schemeClr val="tx1"/>
+              </a:solidFill>
+            </a:endParaRPr>
+          </a:p>
+        </p:txBody>
+      </p:sp>
+      <p:sp>
+        <p:nvSpPr>
+          <p:cNvPr id="56" name="웃는 얼굴 55"/>
+          <p:cNvSpPr/>
+          <p:nvPr/>
+        </p:nvSpPr>
+        <p:spPr>
+          <a:xfrm>
+            <a:off x="4581272" y="1916470"/>
+            <a:ext cx="191024" cy="193350"/>
+          </a:xfrm>
+          <a:prstGeom prst="smileyFace">
+            <a:avLst/>
+          </a:prstGeom>
+        </p:spPr>
+        <p:style>
+          <a:lnRef idx="2">
+            <a:schemeClr val="accent1">
+              <a:shade val="50000"/>
+            </a:schemeClr>
+          </a:lnRef>
+          <a:fillRef idx="1">
+            <a:schemeClr val="accent1"/>
+          </a:fillRef>
+          <a:effectRef idx="0">
+            <a:schemeClr val="accent1"/>
+          </a:effectRef>
+          <a:fontRef idx="minor">
+            <a:schemeClr val="lt1"/>
+          </a:fontRef>
+        </p:style>
+        <p:txBody>
+          <a:bodyPr rtlCol="0" anchor="ctr"/>
+          <a:lstStyle/>
+          <a:p>
+            <a:pPr algn="ctr"/>
+            <a:endParaRPr lang="ko-KR" altLang="en-US"/>
+          </a:p>
+        </p:txBody>
+      </p:sp>
+      <p:sp>
+        <p:nvSpPr>
+          <p:cNvPr id="58" name="직사각형 57"/>
+          <p:cNvSpPr/>
+          <p:nvPr/>
+        </p:nvSpPr>
+        <p:spPr>
+          <a:xfrm>
+            <a:off x="4554682" y="5715360"/>
+            <a:ext cx="592999" cy="831052"/>
+          </a:xfrm>
+          <a:prstGeom prst="rect">
+            <a:avLst/>
+          </a:prstGeom>
+          <a:solidFill>
+            <a:srgbClr val="FFFF00"/>
+          </a:solidFill>
+          <a:ln>
+            <a:solidFill>
+              <a:schemeClr val="tx1"/>
+            </a:solidFill>
+          </a:ln>
+        </p:spPr>
+        <p:style>
+          <a:lnRef idx="2">
+            <a:schemeClr val="accent1">
+              <a:shade val="50000"/>
+            </a:schemeClr>
+          </a:lnRef>
+          <a:fillRef idx="1">
+            <a:schemeClr val="accent1"/>
+          </a:fillRef>
+          <a:effectRef idx="0">
+            <a:schemeClr val="accent1"/>
+          </a:effectRef>
+          <a:fontRef idx="minor">
+            <a:schemeClr val="lt1"/>
+          </a:fontRef>
+        </p:style>
+        <p:txBody>
+          <a:bodyPr rtlCol="0" anchor="ctr"/>
+          <a:lstStyle/>
+          <a:p>
+            <a:pPr algn="ctr"/>
+            <a:r>
+              <a:rPr lang="ko-KR" altLang="en-US" sz="1050" b="1" dirty="0" smtClean="0">
+                <a:solidFill>
+                  <a:schemeClr val="tx1"/>
+                </a:solidFill>
+              </a:rPr>
+              <a:t>동물원관리자</a:t>
+            </a:r>
+            <a:endParaRPr lang="ko-KR" altLang="en-US" sz="1050" b="1" dirty="0">
+              <a:solidFill>
+                <a:schemeClr val="tx1"/>
+              </a:solidFill>
+            </a:endParaRPr>
+          </a:p>
+        </p:txBody>
+      </p:sp>
+      <p:sp>
+        <p:nvSpPr>
+          <p:cNvPr id="60" name="TextBox 59"/>
+          <p:cNvSpPr txBox="1"/>
+          <p:nvPr/>
+        </p:nvSpPr>
+        <p:spPr>
+          <a:xfrm>
+            <a:off x="4496439" y="5050376"/>
+            <a:ext cx="641522" cy="200055"/>
+          </a:xfrm>
+          <a:prstGeom prst="rect">
+            <a:avLst/>
+          </a:prstGeom>
+          <a:noFill/>
+        </p:spPr>
+        <p:txBody>
+          <a:bodyPr wrap="none" rtlCol="0">
+            <a:spAutoFit/>
+          </a:bodyPr>
+          <a:lstStyle/>
+          <a:p>
+            <a:r>
+              <a:rPr lang="en-US" altLang="ko-KR" sz="700" dirty="0" smtClean="0"/>
+              <a:t>GET</a:t>
+            </a:r>
+            <a:r>
+              <a:rPr lang="en-US" altLang="ko-KR" sz="700" dirty="0" smtClean="0"/>
+              <a:t> /states</a:t>
+            </a:r>
+            <a:endParaRPr lang="ko-KR" altLang="en-US" sz="700" dirty="0"/>
+          </a:p>
+        </p:txBody>
+      </p:sp>
+      <p:sp>
+        <p:nvSpPr>
+          <p:cNvPr id="61" name="웃는 얼굴 60"/>
+          <p:cNvSpPr/>
+          <p:nvPr/>
+        </p:nvSpPr>
+        <p:spPr>
+          <a:xfrm>
+            <a:off x="4583135" y="5753183"/>
+            <a:ext cx="191024" cy="193350"/>
+          </a:xfrm>
+          <a:prstGeom prst="smileyFace">
+            <a:avLst/>
+          </a:prstGeom>
+        </p:spPr>
+        <p:style>
+          <a:lnRef idx="2">
+            <a:schemeClr val="accent1">
+              <a:shade val="50000"/>
+            </a:schemeClr>
+          </a:lnRef>
+          <a:fillRef idx="1">
+            <a:schemeClr val="accent1"/>
+          </a:fillRef>
+          <a:effectRef idx="0">
+            <a:schemeClr val="accent1"/>
+          </a:effectRef>
+          <a:fontRef idx="minor">
+            <a:schemeClr val="lt1"/>
+          </a:fontRef>
+        </p:style>
+        <p:txBody>
+          <a:bodyPr rtlCol="0" anchor="ctr"/>
+          <a:lstStyle/>
+          <a:p>
+            <a:pPr algn="ctr"/>
+            <a:endParaRPr lang="ko-KR" altLang="en-US" b="1" dirty="0"/>
+          </a:p>
+        </p:txBody>
+      </p:sp>
+      <p:sp>
+        <p:nvSpPr>
+          <p:cNvPr id="62" name="직사각형 61"/>
+          <p:cNvSpPr/>
+          <p:nvPr/>
+        </p:nvSpPr>
+        <p:spPr>
+          <a:xfrm>
+            <a:off x="8489211" y="5715360"/>
+            <a:ext cx="592999" cy="831052"/>
+          </a:xfrm>
+          <a:prstGeom prst="rect">
+            <a:avLst/>
+          </a:prstGeom>
+          <a:solidFill>
+            <a:srgbClr val="FFFF00"/>
+          </a:solidFill>
+          <a:ln>
+            <a:solidFill>
+              <a:schemeClr val="tx1"/>
+            </a:solidFill>
+          </a:ln>
+        </p:spPr>
+        <p:style>
+          <a:lnRef idx="2">
+            <a:schemeClr val="accent1">
+              <a:shade val="50000"/>
+            </a:schemeClr>
+          </a:lnRef>
+          <a:fillRef idx="1">
+            <a:schemeClr val="accent1"/>
+          </a:fillRef>
+          <a:effectRef idx="0">
+            <a:schemeClr val="accent1"/>
+          </a:effectRef>
+          <a:fontRef idx="minor">
+            <a:schemeClr val="lt1"/>
+          </a:fontRef>
+        </p:style>
+        <p:txBody>
+          <a:bodyPr rtlCol="0" anchor="ctr"/>
+          <a:lstStyle/>
+          <a:p>
+            <a:pPr algn="ctr"/>
+            <a:r>
+              <a:rPr lang="ko-KR" altLang="en-US" sz="1050" b="1" dirty="0" smtClean="0">
+                <a:solidFill>
+                  <a:schemeClr val="tx1"/>
+                </a:solidFill>
+              </a:rPr>
+              <a:t>동물원관리자</a:t>
+            </a:r>
+            <a:endParaRPr lang="ko-KR" altLang="en-US" sz="1050" b="1" dirty="0">
+              <a:solidFill>
+                <a:schemeClr val="tx1"/>
+              </a:solidFill>
+            </a:endParaRPr>
+          </a:p>
+        </p:txBody>
+      </p:sp>
+      <p:sp>
+        <p:nvSpPr>
+          <p:cNvPr id="63" name="웃는 얼굴 62"/>
+          <p:cNvSpPr/>
+          <p:nvPr/>
+        </p:nvSpPr>
+        <p:spPr>
+          <a:xfrm>
+            <a:off x="8517664" y="5753183"/>
+            <a:ext cx="191024" cy="193350"/>
+          </a:xfrm>
+          <a:prstGeom prst="smileyFace">
+            <a:avLst/>
+          </a:prstGeom>
+        </p:spPr>
+        <p:style>
+          <a:lnRef idx="2">
+            <a:schemeClr val="accent1">
+              <a:shade val="50000"/>
+            </a:schemeClr>
+          </a:lnRef>
+          <a:fillRef idx="1">
+            <a:schemeClr val="accent1"/>
+          </a:fillRef>
+          <a:effectRef idx="0">
+            <a:schemeClr val="accent1"/>
+          </a:effectRef>
+          <a:fontRef idx="minor">
+            <a:schemeClr val="lt1"/>
+          </a:fontRef>
+        </p:style>
+        <p:txBody>
+          <a:bodyPr rtlCol="0" anchor="ctr"/>
+          <a:lstStyle/>
+          <a:p>
+            <a:pPr algn="ctr"/>
+            <a:endParaRPr lang="ko-KR" altLang="en-US" b="1" dirty="0"/>
           </a:p>
         </p:txBody>
       </p:sp>
